--- a/Presentations/AnalysisDiscussion_27Aug2018.pptx
+++ b/Presentations/AnalysisDiscussion_27Aug2018.pptx
@@ -5,16 +5,15 @@
     <p:sldMasterId id="2147483660" r:id="rId1"/>
   </p:sldMasterIdLst>
   <p:notesMasterIdLst>
-    <p:notesMasterId r:id="rId9"/>
+    <p:notesMasterId r:id="rId8"/>
   </p:notesMasterIdLst>
   <p:sldIdLst>
     <p:sldId id="256" r:id="rId2"/>
     <p:sldId id="257" r:id="rId3"/>
-    <p:sldId id="258" r:id="rId4"/>
-    <p:sldId id="260" r:id="rId5"/>
-    <p:sldId id="261" r:id="rId6"/>
-    <p:sldId id="262" r:id="rId7"/>
-    <p:sldId id="259" r:id="rId8"/>
+    <p:sldId id="260" r:id="rId4"/>
+    <p:sldId id="261" r:id="rId5"/>
+    <p:sldId id="262" r:id="rId6"/>
+    <p:sldId id="259" r:id="rId7"/>
   </p:sldIdLst>
   <p:sldSz cx="9144000" cy="6858000" type="screen4x3"/>
   <p:notesSz cx="6858000" cy="9144000"/>
@@ -510,6 +509,10 @@
           <a:bodyPr/>
           <a:lstStyle/>
           <a:p>
+            <a:r>
+              <a:rPr lang="en-US" dirty="0" smtClean="0"/>
+              <a:t>INTENT IN THIS CASE: TRANSF_INVOCATION_CONTROL</a:t>
+            </a:r>
             <a:endParaRPr lang="en-US" dirty="0"/>
           </a:p>
         </p:txBody>
@@ -531,7 +534,91 @@
           <a:p>
             <a:fld id="{DDBAA52E-42E4-4CF4-A25E-5E9E2AF61AAE}" type="slidenum">
               <a:rPr lang="en-US" smtClean="0"/>
-              <a:t>5</a:t>
+              <a:t>3</a:t>
+            </a:fld>
+            <a:endParaRPr lang="en-US"/>
+          </a:p>
+        </p:txBody>
+      </p:sp>
+    </p:spTree>
+    <p:extLst>
+      <p:ext uri="{BB962C8B-B14F-4D97-AF65-F5344CB8AC3E}">
+        <p14:creationId xmlns:p14="http://schemas.microsoft.com/office/powerpoint/2010/main" val="3041733974"/>
+      </p:ext>
+    </p:extLst>
+  </p:cSld>
+  <p:clrMapOvr>
+    <a:masterClrMapping/>
+  </p:clrMapOvr>
+</p:notes>
+</file>
+
+<file path=ppt/notesSlides/notesSlide2.xml><?xml version="1.0" encoding="utf-8"?>
+<p:notes xmlns:a="http://schemas.openxmlformats.org/drawingml/2006/main" xmlns:r="http://schemas.openxmlformats.org/officeDocument/2006/relationships" xmlns:p="http://schemas.openxmlformats.org/presentationml/2006/main">
+  <p:cSld>
+    <p:spTree>
+      <p:nvGrpSpPr>
+        <p:cNvPr id="1" name=""/>
+        <p:cNvGrpSpPr/>
+        <p:nvPr/>
+      </p:nvGrpSpPr>
+      <p:grpSpPr>
+        <a:xfrm>
+          <a:off x="0" y="0"/>
+          <a:ext cx="0" cy="0"/>
+          <a:chOff x="0" y="0"/>
+          <a:chExt cx="0" cy="0"/>
+        </a:xfrm>
+      </p:grpSpPr>
+      <p:sp>
+        <p:nvSpPr>
+          <p:cNvPr id="2" name="Slide Image Placeholder 1"/>
+          <p:cNvSpPr>
+            <a:spLocks noGrp="1" noRot="1" noChangeAspect="1"/>
+          </p:cNvSpPr>
+          <p:nvPr>
+            <p:ph type="sldImg"/>
+          </p:nvPr>
+        </p:nvSpPr>
+        <p:spPr/>
+      </p:sp>
+      <p:sp>
+        <p:nvSpPr>
+          <p:cNvPr id="3" name="Notes Placeholder 2"/>
+          <p:cNvSpPr>
+            <a:spLocks noGrp="1"/>
+          </p:cNvSpPr>
+          <p:nvPr>
+            <p:ph type="body" idx="1"/>
+          </p:nvPr>
+        </p:nvSpPr>
+        <p:spPr/>
+        <p:txBody>
+          <a:bodyPr/>
+          <a:lstStyle/>
+          <a:p>
+            <a:endParaRPr lang="en-US" dirty="0"/>
+          </a:p>
+        </p:txBody>
+      </p:sp>
+      <p:sp>
+        <p:nvSpPr>
+          <p:cNvPr id="4" name="Slide Number Placeholder 3"/>
+          <p:cNvSpPr>
+            <a:spLocks noGrp="1"/>
+          </p:cNvSpPr>
+          <p:nvPr>
+            <p:ph type="sldNum" sz="quarter" idx="10"/>
+          </p:nvPr>
+        </p:nvSpPr>
+        <p:spPr/>
+        <p:txBody>
+          <a:bodyPr/>
+          <a:lstStyle/>
+          <a:p>
+            <a:fld id="{DDBAA52E-42E4-4CF4-A25E-5E9E2AF61AAE}" type="slidenum">
+              <a:rPr lang="en-US" smtClean="0"/>
+              <a:t>4</a:t>
             </a:fld>
             <a:endParaRPr lang="en-US"/>
           </a:p>
@@ -3962,14 +4049,14 @@
             <p:ph idx="1"/>
             <p:extLst>
               <p:ext uri="{D42A27DB-BD31-4B8C-83A1-F6EECF244321}">
-                <p14:modId xmlns:p14="http://schemas.microsoft.com/office/powerpoint/2010/main" val="3141050981"/>
+                <p14:modId xmlns:p14="http://schemas.microsoft.com/office/powerpoint/2010/main" val="3932396901"/>
               </p:ext>
             </p:extLst>
           </p:nvPr>
         </p:nvGraphicFramePr>
         <p:xfrm>
-          <a:off x="457200" y="1600200"/>
-          <a:ext cx="8229600" cy="4732020"/>
+          <a:off x="457200" y="1447800"/>
+          <a:ext cx="8229600" cy="5280660"/>
         </p:xfrm>
         <a:graphic>
           <a:graphicData uri="http://schemas.openxmlformats.org/drawingml/2006/table">
@@ -4148,7 +4235,36 @@
                     <a:bodyPr/>
                     <a:lstStyle/>
                     <a:p>
-                      <a:endParaRPr lang="en-US" dirty="0"/>
+                      <a:pPr marL="0" marR="0" indent="0" algn="l" defTabSz="914400" rtl="0" eaLnBrk="1" fontAlgn="auto" latinLnBrk="0" hangingPunct="1">
+                        <a:lnSpc>
+                          <a:spcPct val="100000"/>
+                        </a:lnSpc>
+                        <a:spcBef>
+                          <a:spcPts val="0"/>
+                        </a:spcBef>
+                        <a:spcAft>
+                          <a:spcPts val="0"/>
+                        </a:spcAft>
+                        <a:buClrTx/>
+                        <a:buSzTx/>
+                        <a:buFontTx/>
+                        <a:buNone/>
+                        <a:tabLst/>
+                        <a:defRPr/>
+                      </a:pPr>
+                      <a:r>
+                        <a:rPr lang="en-US" sz="1800" b="0" i="0" kern="1200" dirty="0" smtClean="0">
+                          <a:solidFill>
+                            <a:schemeClr val="tx1"/>
+                          </a:solidFill>
+                          <a:effectLst/>
+                          <a:latin typeface="+mn-lt"/>
+                          <a:ea typeface="+mn-ea"/>
+                          <a:cs typeface="+mn-cs"/>
+                        </a:rPr>
+                        <a:t>CREATE_OUTPUT_PATTERN</a:t>
+                      </a:r>
+                      <a:endParaRPr lang="en-US" dirty="0" smtClean="0"/>
                     </a:p>
                   </a:txBody>
                   <a:tcPr/>
@@ -4196,28 +4312,16 @@
                     <a:lstStyle/>
                     <a:p>
                       <a:r>
-                        <a:rPr lang="en-US" dirty="0" smtClean="0"/>
-                        <a:t>Create op </a:t>
-                      </a:r>
-                      <a:r>
-                        <a:rPr lang="en-US" dirty="0" err="1" smtClean="0"/>
-                        <a:t>pattern_using</a:t>
-                      </a:r>
-                      <a:r>
-                        <a:rPr lang="en-US" dirty="0" smtClean="0"/>
-                        <a:t> </a:t>
-                      </a:r>
-                      <a:r>
-                        <a:rPr lang="en-US" dirty="0" err="1" smtClean="0"/>
-                        <a:t>glbl</a:t>
-                      </a:r>
-                      <a:r>
-                        <a:rPr lang="en-US" dirty="0" smtClean="0"/>
-                        <a:t> </a:t>
-                      </a:r>
-                      <a:r>
-                        <a:rPr lang="en-US" dirty="0" err="1" smtClean="0"/>
-                        <a:t>vars</a:t>
+                        <a:rPr lang="en-US" sz="1800" b="0" i="0" kern="1200" dirty="0" smtClean="0">
+                          <a:solidFill>
+                            <a:schemeClr val="tx1"/>
+                          </a:solidFill>
+                          <a:effectLst/>
+                          <a:latin typeface="+mn-lt"/>
+                          <a:ea typeface="+mn-ea"/>
+                          <a:cs typeface="+mn-cs"/>
+                        </a:rPr>
+                        <a:t>CREATE_OUTPUT_PATTERN_USING_GLOBAL_VARS</a:t>
                       </a:r>
                       <a:endParaRPr lang="en-US" dirty="0"/>
                     </a:p>
@@ -4293,11 +4397,55 @@
                             <a:srgbClr val="00B050"/>
                           </a:solidFill>
                         </a:rPr>
-                        <a:t>How do we express a combination of intents ?</a:t>
+                        <a:t>How do we express a combination of intents </a:t>
+                      </a:r>
+                      <a:r>
+                        <a:rPr lang="en-US" b="1" i="1" dirty="0" smtClean="0">
+                          <a:solidFill>
+                            <a:srgbClr val="00B050"/>
+                          </a:solidFill>
+                        </a:rPr>
+                        <a:t>?</a:t>
                       </a:r>
                       <a:r>
                         <a:rPr lang="en-US" dirty="0" smtClean="0"/>
-                        <a:t>)</a:t>
+                        <a:t>) </a:t>
+                      </a:r>
+                      <a:r>
+                        <a:rPr lang="en-US" sz="1800" b="0" i="0" kern="1200" dirty="0" smtClean="0">
+                          <a:solidFill>
+                            <a:schemeClr val="tx1"/>
+                          </a:solidFill>
+                          <a:effectLst/>
+                          <a:latin typeface="+mn-lt"/>
+                          <a:ea typeface="+mn-ea"/>
+                          <a:cs typeface="+mn-cs"/>
+                        </a:rPr>
+                        <a:t>CREATE_OUTPUT_PATTERN</a:t>
+                      </a:r>
+                      <a:endParaRPr lang="en-US" dirty="0" smtClean="0"/>
+                    </a:p>
+                    <a:p>
+                      <a:pPr marL="0" marR="0" indent="0" algn="l" defTabSz="914400" rtl="0" eaLnBrk="1" fontAlgn="auto" latinLnBrk="0" hangingPunct="1">
+                        <a:lnSpc>
+                          <a:spcPct val="100000"/>
+                        </a:lnSpc>
+                        <a:spcBef>
+                          <a:spcPts val="0"/>
+                        </a:spcBef>
+                        <a:spcAft>
+                          <a:spcPts val="0"/>
+                        </a:spcAft>
+                        <a:buClrTx/>
+                        <a:buSzTx/>
+                        <a:buFontTx/>
+                        <a:buNone/>
+                        <a:tabLst/>
+                        <a:defRPr/>
+                      </a:pPr>
+                      <a:r>
+                        <a:rPr lang="en-US" dirty="0" smtClean="0"/>
+                        <a:t>+ MAINTAIN_GLOBAL_VARS</a:t>
                       </a:r>
                     </a:p>
                   </a:txBody>
@@ -4389,399 +4537,6 @@
 </file>
 
 <file path=ppt/slides/slide3.xml><?xml version="1.0" encoding="utf-8"?>
-<p:sld xmlns:a="http://schemas.openxmlformats.org/drawingml/2006/main" xmlns:r="http://schemas.openxmlformats.org/officeDocument/2006/relationships" xmlns:p="http://schemas.openxmlformats.org/presentationml/2006/main" show="0">
-  <p:cSld>
-    <p:spTree>
-      <p:nvGrpSpPr>
-        <p:cNvPr id="1" name=""/>
-        <p:cNvGrpSpPr/>
-        <p:nvPr/>
-      </p:nvGrpSpPr>
-      <p:grpSpPr>
-        <a:xfrm>
-          <a:off x="0" y="0"/>
-          <a:ext cx="0" cy="0"/>
-          <a:chOff x="0" y="0"/>
-          <a:chExt cx="0" cy="0"/>
-        </a:xfrm>
-      </p:grpSpPr>
-      <p:sp>
-        <p:nvSpPr>
-          <p:cNvPr id="2" name="Title 1"/>
-          <p:cNvSpPr>
-            <a:spLocks noGrp="1"/>
-          </p:cNvSpPr>
-          <p:nvPr>
-            <p:ph type="title"/>
-          </p:nvPr>
-        </p:nvSpPr>
-        <p:spPr/>
-        <p:txBody>
-          <a:bodyPr/>
-          <a:lstStyle/>
-          <a:p>
-            <a:r>
-              <a:rPr lang="en-US" dirty="0"/>
-              <a:t>Intents </a:t>
-            </a:r>
-            <a:r>
-              <a:rPr lang="en-US" dirty="0" smtClean="0"/>
-              <a:t>Classification (Cont.)</a:t>
-            </a:r>
-            <a:endParaRPr lang="en-US" dirty="0"/>
-          </a:p>
-        </p:txBody>
-      </p:sp>
-      <p:sp>
-        <p:nvSpPr>
-          <p:cNvPr id="3" name="Content Placeholder 2"/>
-          <p:cNvSpPr>
-            <a:spLocks noGrp="1"/>
-          </p:cNvSpPr>
-          <p:nvPr>
-            <p:ph idx="1"/>
-          </p:nvPr>
-        </p:nvSpPr>
-        <p:spPr/>
-        <p:txBody>
-          <a:bodyPr/>
-          <a:lstStyle/>
-          <a:p>
-            <a:endParaRPr lang="en-US"/>
-          </a:p>
-        </p:txBody>
-      </p:sp>
-      <p:graphicFrame>
-        <p:nvGraphicFramePr>
-          <p:cNvPr id="4" name="Content Placeholder 3"/>
-          <p:cNvGraphicFramePr>
-            <a:graphicFrameLocks/>
-          </p:cNvGraphicFramePr>
-          <p:nvPr>
-            <p:extLst>
-              <p:ext uri="{D42A27DB-BD31-4B8C-83A1-F6EECF244321}">
-                <p14:modId xmlns:p14="http://schemas.microsoft.com/office/powerpoint/2010/main" val="1165166383"/>
-              </p:ext>
-            </p:extLst>
-          </p:nvPr>
-        </p:nvGraphicFramePr>
-        <p:xfrm>
-          <a:off x="457200" y="1600200"/>
-          <a:ext cx="8229600" cy="5063490"/>
-        </p:xfrm>
-        <a:graphic>
-          <a:graphicData uri="http://schemas.openxmlformats.org/drawingml/2006/table">
-            <a:tbl>
-              <a:tblPr firstRow="1" bandRow="1">
-                <a:tableStyleId>{5940675A-B579-460E-94D1-54222C63F5DA}</a:tableStyleId>
-              </a:tblPr>
-              <a:tblGrid>
-                <a:gridCol w="4114800"/>
-                <a:gridCol w="4114800"/>
-              </a:tblGrid>
-              <a:tr h="628650">
-                <a:tc>
-                  <a:txBody>
-                    <a:bodyPr/>
-                    <a:lstStyle/>
-                    <a:p>
-                      <a:r>
-                        <a:rPr lang="en-US" b="1" dirty="0" smtClean="0"/>
-                        <a:t>Do Blocks that</a:t>
-                      </a:r>
-                      <a:r>
-                        <a:rPr lang="en-US" b="1" baseline="0" dirty="0" smtClean="0"/>
-                        <a:t> </a:t>
-                      </a:r>
-                      <a:r>
-                        <a:rPr lang="en-US" b="1" dirty="0" smtClean="0"/>
-                        <a:t>… </a:t>
-                      </a:r>
-                      <a:endParaRPr lang="en-US" b="1" dirty="0"/>
-                    </a:p>
-                  </a:txBody>
-                  <a:tcPr/>
-                </a:tc>
-                <a:tc>
-                  <a:txBody>
-                    <a:bodyPr/>
-                    <a:lstStyle/>
-                    <a:p>
-                      <a:r>
-                        <a:rPr lang="en-US" b="1" dirty="0" smtClean="0"/>
-                        <a:t>Have their intents classified as …</a:t>
-                      </a:r>
-                      <a:endParaRPr lang="en-US" b="1" dirty="0"/>
-                    </a:p>
-                  </a:txBody>
-                  <a:tcPr/>
-                </a:tc>
-              </a:tr>
-              <a:tr h="628650">
-                <a:tc>
-                  <a:txBody>
-                    <a:bodyPr/>
-                    <a:lstStyle/>
-                    <a:p>
-                      <a:r>
-                        <a:rPr lang="en-US" dirty="0" smtClean="0"/>
-                        <a:t>Update global variables</a:t>
-                      </a:r>
-                      <a:endParaRPr lang="en-US" dirty="0"/>
-                    </a:p>
-                  </a:txBody>
-                  <a:tcPr/>
-                </a:tc>
-                <a:tc>
-                  <a:txBody>
-                    <a:bodyPr/>
-                    <a:lstStyle/>
-                    <a:p>
-                      <a:r>
-                        <a:rPr lang="en-US" dirty="0" smtClean="0"/>
-                        <a:t>MAINTAIN_GLOBAL_VARS</a:t>
-                      </a:r>
-                      <a:endParaRPr lang="en-US" dirty="0"/>
-                    </a:p>
-                  </a:txBody>
-                  <a:tcPr/>
-                </a:tc>
-              </a:tr>
-              <a:tr h="628650">
-                <a:tc>
-                  <a:txBody>
-                    <a:bodyPr/>
-                    <a:lstStyle/>
-                    <a:p>
-                      <a:r>
-                        <a:rPr lang="en-US" dirty="0" smtClean="0"/>
-                        <a:t>Invoke</a:t>
-                      </a:r>
-                      <a:r>
-                        <a:rPr lang="en-US" baseline="0" dirty="0" smtClean="0"/>
-                        <a:t> called rules that only create target patterns</a:t>
-                      </a:r>
-                      <a:endParaRPr lang="en-US" dirty="0"/>
-                    </a:p>
-                  </a:txBody>
-                  <a:tcPr/>
-                </a:tc>
-                <a:tc>
-                  <a:txBody>
-                    <a:bodyPr/>
-                    <a:lstStyle/>
-                    <a:p>
-                      <a:r>
-                        <a:rPr lang="en-US" sz="1800" b="0" i="0" kern="1200" dirty="0" smtClean="0">
-                          <a:solidFill>
-                            <a:schemeClr val="tx1"/>
-                          </a:solidFill>
-                          <a:effectLst/>
-                          <a:latin typeface="+mn-lt"/>
-                          <a:ea typeface="+mn-ea"/>
-                          <a:cs typeface="+mn-cs"/>
-                        </a:rPr>
-                        <a:t>CREATE_OUTPUT_PATTERN</a:t>
-                      </a:r>
-                      <a:endParaRPr lang="en-US" dirty="0"/>
-                    </a:p>
-                  </a:txBody>
-                  <a:tcPr/>
-                </a:tc>
-              </a:tr>
-              <a:tr h="628650">
-                <a:tc>
-                  <a:txBody>
-                    <a:bodyPr/>
-                    <a:lstStyle/>
-                    <a:p>
-                      <a:pPr marL="0" marR="0" indent="0" algn="l" defTabSz="914400" rtl="0" eaLnBrk="1" fontAlgn="auto" latinLnBrk="0" hangingPunct="1">
-                        <a:lnSpc>
-                          <a:spcPct val="100000"/>
-                        </a:lnSpc>
-                        <a:spcBef>
-                          <a:spcPts val="0"/>
-                        </a:spcBef>
-                        <a:spcAft>
-                          <a:spcPts val="0"/>
-                        </a:spcAft>
-                        <a:buClrTx/>
-                        <a:buSzTx/>
-                        <a:buFontTx/>
-                        <a:buNone/>
-                        <a:tabLst/>
-                        <a:defRPr/>
-                      </a:pPr>
-                      <a:r>
-                        <a:rPr lang="en-US" dirty="0" smtClean="0"/>
-                        <a:t>Invoke</a:t>
-                      </a:r>
-                      <a:r>
-                        <a:rPr lang="en-US" baseline="0" dirty="0" smtClean="0"/>
-                        <a:t> called rules that create target patterns using global variables</a:t>
-                      </a:r>
-                      <a:endParaRPr lang="en-US" dirty="0" smtClean="0"/>
-                    </a:p>
-                  </a:txBody>
-                  <a:tcPr/>
-                </a:tc>
-                <a:tc>
-                  <a:txBody>
-                    <a:bodyPr/>
-                    <a:lstStyle/>
-                    <a:p>
-                      <a:endParaRPr lang="en-US"/>
-                    </a:p>
-                  </a:txBody>
-                  <a:tcPr/>
-                </a:tc>
-              </a:tr>
-              <a:tr h="628650">
-                <a:tc>
-                  <a:txBody>
-                    <a:bodyPr/>
-                    <a:lstStyle/>
-                    <a:p>
-                      <a:pPr marL="0" marR="0" indent="0" algn="l" defTabSz="914400" rtl="0" eaLnBrk="1" fontAlgn="auto" latinLnBrk="0" hangingPunct="1">
-                        <a:lnSpc>
-                          <a:spcPct val="100000"/>
-                        </a:lnSpc>
-                        <a:spcBef>
-                          <a:spcPts val="0"/>
-                        </a:spcBef>
-                        <a:spcAft>
-                          <a:spcPts val="0"/>
-                        </a:spcAft>
-                        <a:buClrTx/>
-                        <a:buSzTx/>
-                        <a:buFontTx/>
-                        <a:buNone/>
-                        <a:tabLst/>
-                        <a:defRPr/>
-                      </a:pPr>
-                      <a:r>
-                        <a:rPr lang="en-US" dirty="0" smtClean="0"/>
-                        <a:t>Invoke</a:t>
-                      </a:r>
-                      <a:r>
-                        <a:rPr lang="en-US" baseline="0" dirty="0" smtClean="0"/>
-                        <a:t> called rules that create target patterns &amp; updates global variables</a:t>
-                      </a:r>
-                      <a:endParaRPr lang="en-US" dirty="0" smtClean="0"/>
-                    </a:p>
-                  </a:txBody>
-                  <a:tcPr/>
-                </a:tc>
-                <a:tc>
-                  <a:txBody>
-                    <a:bodyPr/>
-                    <a:lstStyle/>
-                    <a:p>
-                      <a:endParaRPr lang="en-US" dirty="0"/>
-                    </a:p>
-                  </a:txBody>
-                  <a:tcPr/>
-                </a:tc>
-              </a:tr>
-              <a:tr h="628650">
-                <a:tc>
-                  <a:txBody>
-                    <a:bodyPr/>
-                    <a:lstStyle/>
-                    <a:p>
-                      <a:endParaRPr lang="en-US" dirty="0"/>
-                    </a:p>
-                  </a:txBody>
-                  <a:tcPr/>
-                </a:tc>
-                <a:tc>
-                  <a:txBody>
-                    <a:bodyPr/>
-                    <a:lstStyle/>
-                    <a:p>
-                      <a:endParaRPr lang="en-US"/>
-                    </a:p>
-                  </a:txBody>
-                  <a:tcPr/>
-                </a:tc>
-              </a:tr>
-              <a:tr h="628650">
-                <a:tc>
-                  <a:txBody>
-                    <a:bodyPr/>
-                    <a:lstStyle/>
-                    <a:p>
-                      <a:endParaRPr lang="en-US"/>
-                    </a:p>
-                  </a:txBody>
-                  <a:tcPr/>
-                </a:tc>
-                <a:tc>
-                  <a:txBody>
-                    <a:bodyPr/>
-                    <a:lstStyle/>
-                    <a:p>
-                      <a:endParaRPr lang="en-US"/>
-                    </a:p>
-                  </a:txBody>
-                  <a:tcPr/>
-                </a:tc>
-              </a:tr>
-              <a:tr h="628650">
-                <a:tc>
-                  <a:txBody>
-                    <a:bodyPr/>
-                    <a:lstStyle/>
-                    <a:p>
-                      <a:endParaRPr lang="en-US"/>
-                    </a:p>
-                  </a:txBody>
-                  <a:tcPr/>
-                </a:tc>
-                <a:tc>
-                  <a:txBody>
-                    <a:bodyPr/>
-                    <a:lstStyle/>
-                    <a:p>
-                      <a:endParaRPr lang="en-US" dirty="0"/>
-                    </a:p>
-                  </a:txBody>
-                  <a:tcPr/>
-                </a:tc>
-              </a:tr>
-            </a:tbl>
-          </a:graphicData>
-        </a:graphic>
-      </p:graphicFrame>
-    </p:spTree>
-    <p:extLst>
-      <p:ext uri="{BB962C8B-B14F-4D97-AF65-F5344CB8AC3E}">
-        <p14:creationId xmlns:p14="http://schemas.microsoft.com/office/powerpoint/2010/main" val="2973954930"/>
-      </p:ext>
-    </p:extLst>
-  </p:cSld>
-  <p:clrMapOvr>
-    <a:masterClrMapping/>
-  </p:clrMapOvr>
-  <mc:AlternateContent xmlns:mc="http://schemas.openxmlformats.org/markup-compatibility/2006" xmlns:p14="http://schemas.microsoft.com/office/powerpoint/2010/main">
-    <mc:Choice Requires="p14">
-      <p:transition spd="slow" p14:dur="2000"/>
-    </mc:Choice>
-    <mc:Fallback xmlns="">
-      <p:transition spd="slow"/>
-    </mc:Fallback>
-  </mc:AlternateContent>
-  <p:timing>
-    <p:tnLst>
-      <p:par>
-        <p:cTn id="1" dur="indefinite" restart="never" nodeType="tmRoot"/>
-      </p:par>
-    </p:tnLst>
-  </p:timing>
-</p:sld>
-</file>
-
-<file path=ppt/slides/slide4.xml><?xml version="1.0" encoding="utf-8"?>
 <p:sld xmlns:a="http://schemas.openxmlformats.org/drawingml/2006/main" xmlns:r="http://schemas.openxmlformats.org/officeDocument/2006/relationships" xmlns:p="http://schemas.openxmlformats.org/presentationml/2006/main">
   <p:cSld>
     <p:spTree>
@@ -6042,7 +5797,7 @@
 </p:sld>
 </file>
 
-<file path=ppt/slides/slide5.xml><?xml version="1.0" encoding="utf-8"?>
+<file path=ppt/slides/slide4.xml><?xml version="1.0" encoding="utf-8"?>
 <p:sld xmlns:a="http://schemas.openxmlformats.org/drawingml/2006/main" xmlns:r="http://schemas.openxmlformats.org/officeDocument/2006/relationships" xmlns:p="http://schemas.openxmlformats.org/presentationml/2006/main">
   <p:cSld>
     <p:spTree>
@@ -6109,16 +5864,7 @@
                 </a:solidFill>
                 <a:latin typeface="Tw Cen MT" panose="020B0602020104020603" pitchFamily="34" charset="0"/>
               </a:rPr>
-              <a:t>rule </a:t>
-            </a:r>
-            <a:r>
-              <a:rPr lang="en-US" dirty="0">
-                <a:solidFill>
-                  <a:srgbClr val="0070C0"/>
-                </a:solidFill>
-                <a:latin typeface="Tw Cen MT" panose="020B0602020104020603" pitchFamily="34" charset="0"/>
-              </a:rPr>
-              <a:t>x</a:t>
+              <a:t>rule x</a:t>
             </a:r>
             <a:r>
               <a:rPr lang="en-US" dirty="0" smtClean="0">
@@ -6155,15 +5901,6 @@
                 <a:latin typeface="Tw Cen MT" panose="020B0602020104020603" pitchFamily="34" charset="0"/>
               </a:rPr>
               <a:t>{</a:t>
-            </a:r>
-            <a:r>
-              <a:rPr lang="en-US" dirty="0">
-                <a:solidFill>
-                  <a:srgbClr val="0070C0"/>
-                </a:solidFill>
-                <a:latin typeface="Tw Cen MT" panose="020B0602020104020603" pitchFamily="34" charset="0"/>
-              </a:rPr>
-              <a:t/>
             </a:r>
             <a:br>
               <a:rPr lang="en-US" dirty="0">
@@ -6273,16 +6010,7 @@
                 </a:solidFill>
                 <a:latin typeface="Tw Cen MT" panose="020B0602020104020603" pitchFamily="34" charset="0"/>
               </a:rPr>
-              <a:t>{ </a:t>
-            </a:r>
-            <a:r>
-              <a:rPr lang="en-US" dirty="0">
-                <a:solidFill>
-                  <a:srgbClr val="0070C0"/>
-                </a:solidFill>
-                <a:latin typeface="Tw Cen MT" panose="020B0602020104020603" pitchFamily="34" charset="0"/>
-              </a:rPr>
-              <a:t>a</a:t>
+              <a:t>{ a</a:t>
             </a:r>
             <a:r>
               <a:rPr lang="en-US" dirty="0" smtClean="0">
@@ -6406,6 +6134,148 @@
 </p:sld>
 </file>
 
+<file path=ppt/slides/slide5.xml><?xml version="1.0" encoding="utf-8"?>
+<p:sld xmlns:a="http://schemas.openxmlformats.org/drawingml/2006/main" xmlns:r="http://schemas.openxmlformats.org/officeDocument/2006/relationships" xmlns:p="http://schemas.openxmlformats.org/presentationml/2006/main">
+  <p:cSld>
+    <p:spTree>
+      <p:nvGrpSpPr>
+        <p:cNvPr id="1" name=""/>
+        <p:cNvGrpSpPr/>
+        <p:nvPr/>
+      </p:nvGrpSpPr>
+      <p:grpSpPr>
+        <a:xfrm>
+          <a:off x="0" y="0"/>
+          <a:ext cx="0" cy="0"/>
+          <a:chOff x="0" y="0"/>
+          <a:chExt cx="0" cy="0"/>
+        </a:xfrm>
+      </p:grpSpPr>
+      <p:sp>
+        <p:nvSpPr>
+          <p:cNvPr id="2" name="Title 1"/>
+          <p:cNvSpPr>
+            <a:spLocks noGrp="1"/>
+          </p:cNvSpPr>
+          <p:nvPr>
+            <p:ph type="title"/>
+          </p:nvPr>
+        </p:nvSpPr>
+        <p:spPr/>
+        <p:txBody>
+          <a:bodyPr/>
+          <a:lstStyle/>
+          <a:p>
+            <a:r>
+              <a:rPr lang="en-US" dirty="0" smtClean="0"/>
+              <a:t>Note for the Paper </a:t>
+            </a:r>
+            <a:endParaRPr lang="en-US" dirty="0"/>
+          </a:p>
+        </p:txBody>
+      </p:sp>
+      <p:sp>
+        <p:nvSpPr>
+          <p:cNvPr id="3" name="Content Placeholder 2"/>
+          <p:cNvSpPr>
+            <a:spLocks noGrp="1"/>
+          </p:cNvSpPr>
+          <p:nvPr>
+            <p:ph idx="1"/>
+          </p:nvPr>
+        </p:nvSpPr>
+        <p:spPr/>
+        <p:txBody>
+          <a:bodyPr/>
+          <a:lstStyle/>
+          <a:p>
+            <a:r>
+              <a:rPr lang="en-US" dirty="0">
+                <a:solidFill>
+                  <a:srgbClr val="00B050"/>
+                </a:solidFill>
+              </a:rPr>
+              <a:t>The only way for ATL to create output pattern without matching a source pattern is imperatively using called </a:t>
+            </a:r>
+            <a:r>
+              <a:rPr lang="en-US" dirty="0" smtClean="0">
+                <a:solidFill>
+                  <a:srgbClr val="00B050"/>
+                </a:solidFill>
+              </a:rPr>
+              <a:t>rules</a:t>
+            </a:r>
+          </a:p>
+          <a:p>
+            <a:pPr lvl="1"/>
+            <a:r>
+              <a:rPr lang="en-US" b="1" u="sng" dirty="0" smtClean="0">
+                <a:solidFill>
+                  <a:srgbClr val="00B050"/>
+                </a:solidFill>
+              </a:rPr>
+              <a:t>Drawback of ATL:</a:t>
+            </a:r>
+            <a:r>
+              <a:rPr lang="en-US" dirty="0" smtClean="0">
+                <a:solidFill>
+                  <a:srgbClr val="00B050"/>
+                </a:solidFill>
+              </a:rPr>
+              <a:t> Does </a:t>
+            </a:r>
+            <a:r>
+              <a:rPr lang="en-US" dirty="0">
+                <a:solidFill>
+                  <a:srgbClr val="00B050"/>
+                </a:solidFill>
+              </a:rPr>
+              <a:t>not have constructive abstraction</a:t>
+            </a:r>
+          </a:p>
+          <a:p>
+            <a:endParaRPr lang="en-US" dirty="0"/>
+          </a:p>
+        </p:txBody>
+      </p:sp>
+      <p:sp>
+        <p:nvSpPr>
+          <p:cNvPr id="4" name="Rectangle 3"/>
+          <p:cNvSpPr/>
+          <p:nvPr/>
+        </p:nvSpPr>
+        <p:spPr>
+          <a:xfrm>
+            <a:off x="2286000" y="2690336"/>
+            <a:ext cx="4572000" cy="369332"/>
+          </a:xfrm>
+          <a:prstGeom prst="rect">
+            <a:avLst/>
+          </a:prstGeom>
+        </p:spPr>
+        <p:txBody>
+          <a:bodyPr>
+            <a:spAutoFit/>
+          </a:bodyPr>
+          <a:lstStyle/>
+          <a:p>
+            <a:endParaRPr lang="en-US" dirty="0"/>
+          </a:p>
+        </p:txBody>
+      </p:sp>
+    </p:spTree>
+    <p:extLst>
+      <p:ext uri="{BB962C8B-B14F-4D97-AF65-F5344CB8AC3E}">
+        <p14:creationId xmlns:p14="http://schemas.microsoft.com/office/powerpoint/2010/main" val="3836121394"/>
+      </p:ext>
+    </p:extLst>
+  </p:cSld>
+  <p:clrMapOvr>
+    <a:masterClrMapping/>
+  </p:clrMapOvr>
+</p:sld>
+</file>
+
 <file path=ppt/slides/slide6.xml><?xml version="1.0" encoding="utf-8"?>
 <p:sld xmlns:a="http://schemas.openxmlformats.org/drawingml/2006/main" xmlns:r="http://schemas.openxmlformats.org/officeDocument/2006/relationships" xmlns:p="http://schemas.openxmlformats.org/presentationml/2006/main">
   <p:cSld>
@@ -6440,148 +6310,6 @@
           <a:p>
             <a:r>
               <a:rPr lang="en-US" dirty="0" smtClean="0"/>
-              <a:t>Note for the Paper </a:t>
-            </a:r>
-            <a:endParaRPr lang="en-US" dirty="0"/>
-          </a:p>
-        </p:txBody>
-      </p:sp>
-      <p:sp>
-        <p:nvSpPr>
-          <p:cNvPr id="3" name="Content Placeholder 2"/>
-          <p:cNvSpPr>
-            <a:spLocks noGrp="1"/>
-          </p:cNvSpPr>
-          <p:nvPr>
-            <p:ph idx="1"/>
-          </p:nvPr>
-        </p:nvSpPr>
-        <p:spPr/>
-        <p:txBody>
-          <a:bodyPr/>
-          <a:lstStyle/>
-          <a:p>
-            <a:r>
-              <a:rPr lang="en-US" dirty="0">
-                <a:solidFill>
-                  <a:srgbClr val="00B050"/>
-                </a:solidFill>
-              </a:rPr>
-              <a:t>The only way for ATL to create output pattern without matching a source pattern is imperatively using called </a:t>
-            </a:r>
-            <a:r>
-              <a:rPr lang="en-US" dirty="0" smtClean="0">
-                <a:solidFill>
-                  <a:srgbClr val="00B050"/>
-                </a:solidFill>
-              </a:rPr>
-              <a:t>rules</a:t>
-            </a:r>
-          </a:p>
-          <a:p>
-            <a:pPr lvl="1"/>
-            <a:r>
-              <a:rPr lang="en-US" b="1" u="sng" dirty="0" smtClean="0">
-                <a:solidFill>
-                  <a:srgbClr val="00B050"/>
-                </a:solidFill>
-              </a:rPr>
-              <a:t>Drawback of ATL:</a:t>
-            </a:r>
-            <a:r>
-              <a:rPr lang="en-US" dirty="0" smtClean="0">
-                <a:solidFill>
-                  <a:srgbClr val="00B050"/>
-                </a:solidFill>
-              </a:rPr>
-              <a:t> Does </a:t>
-            </a:r>
-            <a:r>
-              <a:rPr lang="en-US" dirty="0">
-                <a:solidFill>
-                  <a:srgbClr val="00B050"/>
-                </a:solidFill>
-              </a:rPr>
-              <a:t>not have constructive abstraction</a:t>
-            </a:r>
-          </a:p>
-          <a:p>
-            <a:endParaRPr lang="en-US" dirty="0"/>
-          </a:p>
-        </p:txBody>
-      </p:sp>
-      <p:sp>
-        <p:nvSpPr>
-          <p:cNvPr id="4" name="Rectangle 3"/>
-          <p:cNvSpPr/>
-          <p:nvPr/>
-        </p:nvSpPr>
-        <p:spPr>
-          <a:xfrm>
-            <a:off x="2286000" y="2690336"/>
-            <a:ext cx="4572000" cy="369332"/>
-          </a:xfrm>
-          <a:prstGeom prst="rect">
-            <a:avLst/>
-          </a:prstGeom>
-        </p:spPr>
-        <p:txBody>
-          <a:bodyPr>
-            <a:spAutoFit/>
-          </a:bodyPr>
-          <a:lstStyle/>
-          <a:p>
-            <a:endParaRPr lang="en-US" dirty="0"/>
-          </a:p>
-        </p:txBody>
-      </p:sp>
-    </p:spTree>
-    <p:extLst>
-      <p:ext uri="{BB962C8B-B14F-4D97-AF65-F5344CB8AC3E}">
-        <p14:creationId xmlns:p14="http://schemas.microsoft.com/office/powerpoint/2010/main" val="3836121394"/>
-      </p:ext>
-    </p:extLst>
-  </p:cSld>
-  <p:clrMapOvr>
-    <a:masterClrMapping/>
-  </p:clrMapOvr>
-</p:sld>
-</file>
-
-<file path=ppt/slides/slide7.xml><?xml version="1.0" encoding="utf-8"?>
-<p:sld xmlns:a="http://schemas.openxmlformats.org/drawingml/2006/main" xmlns:r="http://schemas.openxmlformats.org/officeDocument/2006/relationships" xmlns:p="http://schemas.openxmlformats.org/presentationml/2006/main">
-  <p:cSld>
-    <p:spTree>
-      <p:nvGrpSpPr>
-        <p:cNvPr id="1" name=""/>
-        <p:cNvGrpSpPr/>
-        <p:nvPr/>
-      </p:nvGrpSpPr>
-      <p:grpSpPr>
-        <a:xfrm>
-          <a:off x="0" y="0"/>
-          <a:ext cx="0" cy="0"/>
-          <a:chOff x="0" y="0"/>
-          <a:chExt cx="0" cy="0"/>
-        </a:xfrm>
-      </p:grpSpPr>
-      <p:sp>
-        <p:nvSpPr>
-          <p:cNvPr id="2" name="Title 1"/>
-          <p:cNvSpPr>
-            <a:spLocks noGrp="1"/>
-          </p:cNvSpPr>
-          <p:nvPr>
-            <p:ph type="title"/>
-          </p:nvPr>
-        </p:nvSpPr>
-        <p:spPr/>
-        <p:txBody>
-          <a:bodyPr/>
-          <a:lstStyle/>
-          <a:p>
-            <a:r>
-              <a:rPr lang="en-US" dirty="0" smtClean="0"/>
               <a:t>Used Terminology</a:t>
             </a:r>
             <a:endParaRPr lang="en-US" dirty="0"/>
@@ -6645,15 +6373,7 @@
           <a:p>
             <a:r>
               <a:rPr lang="en-US" dirty="0" smtClean="0"/>
-              <a:t>If </a:t>
-            </a:r>
-            <a:r>
-              <a:rPr lang="en-US" dirty="0" smtClean="0"/>
-              <a:t>not, what term should we use instead </a:t>
-            </a:r>
-            <a:r>
-              <a:rPr lang="en-US" dirty="0" smtClean="0"/>
-              <a:t>?</a:t>
+              <a:t>If not, what term should we use instead ?</a:t>
             </a:r>
           </a:p>
           <a:p>
